--- a/pres.pptx
+++ b/pres.pptx
@@ -138,7 +138,7 @@
   <pc:docChgLst>
     <pc:chgData name="Valcic, Michael" userId="83ef33fc-4be6-48fc-aae7-e8dc26e98934" providerId="ADAL" clId="{50D76FDB-B9AD-4639-8A55-51AFA4BB2887}"/>
     <pc:docChg chg="undo custSel addSld delSld modSld sldOrd">
-      <pc:chgData name="Valcic, Michael" userId="83ef33fc-4be6-48fc-aae7-e8dc26e98934" providerId="ADAL" clId="{50D76FDB-B9AD-4639-8A55-51AFA4BB2887}" dt="2024-09-09T19:17:10.219" v="2016" actId="403"/>
+      <pc:chgData name="Valcic, Michael" userId="83ef33fc-4be6-48fc-aae7-e8dc26e98934" providerId="ADAL" clId="{50D76FDB-B9AD-4639-8A55-51AFA4BB2887}" dt="2024-09-09T19:27:23.839" v="2031" actId="14100"/>
       <pc:docMkLst>
         <pc:docMk/>
       </pc:docMkLst>
@@ -917,7 +917,7 @@
         </pc:spChg>
       </pc:sldChg>
       <pc:sldChg chg="addSp delSp modSp add mod">
-        <pc:chgData name="Valcic, Michael" userId="83ef33fc-4be6-48fc-aae7-e8dc26e98934" providerId="ADAL" clId="{50D76FDB-B9AD-4639-8A55-51AFA4BB2887}" dt="2024-09-09T19:17:10.219" v="2016" actId="403"/>
+        <pc:chgData name="Valcic, Michael" userId="83ef33fc-4be6-48fc-aae7-e8dc26e98934" providerId="ADAL" clId="{50D76FDB-B9AD-4639-8A55-51AFA4BB2887}" dt="2024-09-09T19:27:23.839" v="2031" actId="14100"/>
         <pc:sldMkLst>
           <pc:docMk/>
           <pc:sldMk cId="658335453" sldId="265"/>
@@ -930,6 +930,14 @@
             <ac:spMk id="2" creationId="{9EE0533B-D922-B979-AFE1-2E81F6C65B90}"/>
           </ac:spMkLst>
         </pc:spChg>
+        <pc:spChg chg="add del">
+          <ac:chgData name="Valcic, Michael" userId="83ef33fc-4be6-48fc-aae7-e8dc26e98934" providerId="ADAL" clId="{50D76FDB-B9AD-4639-8A55-51AFA4BB2887}" dt="2024-09-09T19:26:58.670" v="2019" actId="478"/>
+          <ac:spMkLst>
+            <pc:docMk/>
+            <pc:sldMk cId="658335453" sldId="265"/>
+            <ac:spMk id="4" creationId="{56A12419-0231-8332-7AFA-33F5B0FFFC34}"/>
+          </ac:spMkLst>
+        </pc:spChg>
         <pc:spChg chg="add mod">
           <ac:chgData name="Valcic, Michael" userId="83ef33fc-4be6-48fc-aae7-e8dc26e98934" providerId="ADAL" clId="{50D76FDB-B9AD-4639-8A55-51AFA4BB2887}" dt="2024-09-09T19:15:28.828" v="2007"/>
           <ac:spMkLst>
@@ -938,12 +946,20 @@
             <ac:spMk id="5" creationId="{1911C909-8CD2-0554-E706-63FD18281013}"/>
           </ac:spMkLst>
         </pc:spChg>
-        <pc:spChg chg="add mod">
-          <ac:chgData name="Valcic, Michael" userId="83ef33fc-4be6-48fc-aae7-e8dc26e98934" providerId="ADAL" clId="{50D76FDB-B9AD-4639-8A55-51AFA4BB2887}" dt="2024-09-09T19:17:10.219" v="2016" actId="403"/>
+        <pc:spChg chg="add del mod">
+          <ac:chgData name="Valcic, Michael" userId="83ef33fc-4be6-48fc-aae7-e8dc26e98934" providerId="ADAL" clId="{50D76FDB-B9AD-4639-8A55-51AFA4BB2887}" dt="2024-09-09T19:26:45.439" v="2017" actId="478"/>
           <ac:spMkLst>
             <pc:docMk/>
             <pc:sldMk cId="658335453" sldId="265"/>
             <ac:spMk id="6" creationId="{7F847529-9FED-0A6F-E33A-4F3C9B2AEECF}"/>
+          </ac:spMkLst>
+        </pc:spChg>
+        <pc:spChg chg="add mod">
+          <ac:chgData name="Valcic, Michael" userId="83ef33fc-4be6-48fc-aae7-e8dc26e98934" providerId="ADAL" clId="{50D76FDB-B9AD-4639-8A55-51AFA4BB2887}" dt="2024-09-09T19:27:23.839" v="2031" actId="14100"/>
+          <ac:spMkLst>
+            <pc:docMk/>
+            <pc:sldMk cId="658335453" sldId="265"/>
+            <ac:spMk id="8" creationId="{94D91572-C4F6-6E38-3D9A-838E3F16DEB5}"/>
           </ac:spMkLst>
         </pc:spChg>
         <pc:graphicFrameChg chg="add del mod">
@@ -7879,10 +7895,10 @@
       </p:sp>
       <p:sp>
         <p:nvSpPr>
-          <p:cNvPr id="6" name="TextBox 5">
-            <a:extLst>
-              <a:ext uri="{FF2B5EF4-FFF2-40B4-BE49-F238E27FC236}">
-                <a16:creationId xmlns:a16="http://schemas.microsoft.com/office/drawing/2014/main" id="{7F847529-9FED-0A6F-E33A-4F3C9B2AEECF}"/>
+          <p:cNvPr id="8" name="TextBox 7">
+            <a:extLst>
+              <a:ext uri="{FF2B5EF4-FFF2-40B4-BE49-F238E27FC236}">
+                <a16:creationId xmlns:a16="http://schemas.microsoft.com/office/drawing/2014/main" id="{94D91572-C4F6-6E38-3D9A-838E3F16DEB5}"/>
               </a:ext>
             </a:extLst>
           </p:cNvPr>
@@ -7891,8 +7907,8 @@
         </p:nvSpPr>
         <p:spPr>
           <a:xfrm>
-            <a:off x="3048000" y="3244334"/>
-            <a:ext cx="6096000" cy="646331"/>
+            <a:off x="3048000" y="1918447"/>
+            <a:ext cx="6759388" cy="707886"/>
           </a:xfrm>
           <a:prstGeom prst="rect">
             <a:avLst/>
@@ -7906,7 +7922,7 @@
           <a:lstStyle/>
           <a:p>
             <a:r>
-              <a:rPr lang="en-US" sz="3600" b="1" dirty="0" err="1">
+              <a:rPr lang="en-US" sz="4000" b="1" dirty="0" err="1">
                 <a:solidFill>
                   <a:schemeClr val="tx2">
                     <a:lumMod val="90000"/>
@@ -7924,7 +7940,7 @@
               <a:t>endo_git.knit</a:t>
             </a:r>
             <a:r>
-              <a:rPr lang="en-US" sz="3600" b="1" dirty="0">
+              <a:rPr lang="en-US" sz="4000" b="1" dirty="0">
                 <a:solidFill>
                   <a:schemeClr val="tx2">
                     <a:lumMod val="90000"/>
@@ -7941,7 +7957,7 @@
               </a:rPr>
               <a:t> (githack.com)</a:t>
             </a:r>
-            <a:endParaRPr lang="en-US" sz="3600" b="1" dirty="0">
+            <a:endParaRPr lang="en-US" sz="4000" b="1" dirty="0">
               <a:solidFill>
                 <a:schemeClr val="tx2">
                   <a:lumMod val="90000"/>

--- a/pres.pptx
+++ b/pres.pptx
@@ -138,7 +138,7 @@
   <pc:docChgLst>
     <pc:chgData name="Valcic, Michael" userId="83ef33fc-4be6-48fc-aae7-e8dc26e98934" providerId="ADAL" clId="{50D76FDB-B9AD-4639-8A55-51AFA4BB2887}"/>
     <pc:docChg chg="undo custSel addSld delSld modSld sldOrd">
-      <pc:chgData name="Valcic, Michael" userId="83ef33fc-4be6-48fc-aae7-e8dc26e98934" providerId="ADAL" clId="{50D76FDB-B9AD-4639-8A55-51AFA4BB2887}" dt="2024-09-09T19:27:23.839" v="2031" actId="14100"/>
+      <pc:chgData name="Valcic, Michael" userId="83ef33fc-4be6-48fc-aae7-e8dc26e98934" providerId="ADAL" clId="{50D76FDB-B9AD-4639-8A55-51AFA4BB2887}" dt="2024-09-09T19:41:24.411" v="2043" actId="122"/>
       <pc:docMkLst>
         <pc:docMk/>
       </pc:docMkLst>
@@ -917,7 +917,7 @@
         </pc:spChg>
       </pc:sldChg>
       <pc:sldChg chg="addSp delSp modSp add mod">
-        <pc:chgData name="Valcic, Michael" userId="83ef33fc-4be6-48fc-aae7-e8dc26e98934" providerId="ADAL" clId="{50D76FDB-B9AD-4639-8A55-51AFA4BB2887}" dt="2024-09-09T19:27:23.839" v="2031" actId="14100"/>
+        <pc:chgData name="Valcic, Michael" userId="83ef33fc-4be6-48fc-aae7-e8dc26e98934" providerId="ADAL" clId="{50D76FDB-B9AD-4639-8A55-51AFA4BB2887}" dt="2024-09-09T19:41:24.411" v="2043" actId="122"/>
         <pc:sldMkLst>
           <pc:docMk/>
           <pc:sldMk cId="658335453" sldId="265"/>
@@ -939,6 +939,14 @@
           </ac:spMkLst>
         </pc:spChg>
         <pc:spChg chg="add mod">
+          <ac:chgData name="Valcic, Michael" userId="83ef33fc-4be6-48fc-aae7-e8dc26e98934" providerId="ADAL" clId="{50D76FDB-B9AD-4639-8A55-51AFA4BB2887}" dt="2024-09-09T19:41:24.411" v="2043" actId="122"/>
+          <ac:spMkLst>
+            <pc:docMk/>
+            <pc:sldMk cId="658335453" sldId="265"/>
+            <ac:spMk id="4" creationId="{F86EBC43-F835-ED62-93D3-9186B0535992}"/>
+          </ac:spMkLst>
+        </pc:spChg>
+        <pc:spChg chg="add mod">
           <ac:chgData name="Valcic, Michael" userId="83ef33fc-4be6-48fc-aae7-e8dc26e98934" providerId="ADAL" clId="{50D76FDB-B9AD-4639-8A55-51AFA4BB2887}" dt="2024-09-09T19:15:28.828" v="2007"/>
           <ac:spMkLst>
             <pc:docMk/>
@@ -954,8 +962,8 @@
             <ac:spMk id="6" creationId="{7F847529-9FED-0A6F-E33A-4F3C9B2AEECF}"/>
           </ac:spMkLst>
         </pc:spChg>
-        <pc:spChg chg="add mod">
-          <ac:chgData name="Valcic, Michael" userId="83ef33fc-4be6-48fc-aae7-e8dc26e98934" providerId="ADAL" clId="{50D76FDB-B9AD-4639-8A55-51AFA4BB2887}" dt="2024-09-09T19:27:23.839" v="2031" actId="14100"/>
+        <pc:spChg chg="add del mod">
+          <ac:chgData name="Valcic, Michael" userId="83ef33fc-4be6-48fc-aae7-e8dc26e98934" providerId="ADAL" clId="{50D76FDB-B9AD-4639-8A55-51AFA4BB2887}" dt="2024-09-09T19:41:03.316" v="2032" actId="478"/>
           <ac:spMkLst>
             <pc:docMk/>
             <pc:sldMk cId="658335453" sldId="265"/>
@@ -7895,10 +7903,10 @@
       </p:sp>
       <p:sp>
         <p:nvSpPr>
-          <p:cNvPr id="8" name="TextBox 7">
-            <a:extLst>
-              <a:ext uri="{FF2B5EF4-FFF2-40B4-BE49-F238E27FC236}">
-                <a16:creationId xmlns:a16="http://schemas.microsoft.com/office/drawing/2014/main" id="{94D91572-C4F6-6E38-3D9A-838E3F16DEB5}"/>
+          <p:cNvPr id="4" name="TextBox 3">
+            <a:extLst>
+              <a:ext uri="{FF2B5EF4-FFF2-40B4-BE49-F238E27FC236}">
+                <a16:creationId xmlns:a16="http://schemas.microsoft.com/office/drawing/2014/main" id="{F86EBC43-F835-ED62-93D3-9186B0535992}"/>
               </a:ext>
             </a:extLst>
           </p:cNvPr>
@@ -7907,8 +7915,8 @@
         </p:nvSpPr>
         <p:spPr>
           <a:xfrm>
-            <a:off x="3048000" y="1918447"/>
-            <a:ext cx="6759388" cy="707886"/>
+            <a:off x="1994123" y="2843784"/>
+            <a:ext cx="7890541" cy="584775"/>
           </a:xfrm>
           <a:prstGeom prst="rect">
             <a:avLst/>
@@ -7921,8 +7929,9 @@
           </a:bodyPr>
           <a:lstStyle/>
           <a:p>
-            <a:r>
-              <a:rPr lang="en-US" sz="4000" b="1" dirty="0" err="1">
+            <a:pPr algn="ctr"/>
+            <a:r>
+              <a:rPr lang="en-US" sz="3200" b="1" dirty="0" err="1">
                 <a:solidFill>
                   <a:schemeClr val="tx2">
                     <a:lumMod val="90000"/>
@@ -7937,10 +7946,10 @@
                   </a:extLst>
                 </a:hlinkClick>
               </a:rPr>
-              <a:t>endo_git.knit</a:t>
-            </a:r>
-            <a:r>
-              <a:rPr lang="en-US" sz="4000" b="1" dirty="0">
+              <a:t>git_crash_course.knit</a:t>
+            </a:r>
+            <a:r>
+              <a:rPr lang="en-US" sz="3200" b="1" dirty="0">
                 <a:solidFill>
                   <a:schemeClr val="tx2">
                     <a:lumMod val="90000"/>
@@ -7957,7 +7966,7 @@
               </a:rPr>
               <a:t> (githack.com)</a:t>
             </a:r>
-            <a:endParaRPr lang="en-US" sz="4000" b="1" dirty="0">
+            <a:endParaRPr lang="en-US" sz="3200" b="1" dirty="0">
               <a:solidFill>
                 <a:schemeClr val="tx2">
                   <a:lumMod val="90000"/>
